--- a/ppt/MapReduce.pptx
+++ b/ppt/MapReduce.pptx
@@ -5,7 +5,7 @@
     <p:sldMasterId id="2147483648" r:id="rId1"/>
   </p:sldMasterIdLst>
   <p:notesMasterIdLst>
-    <p:notesMasterId r:id="rId33"/>
+    <p:notesMasterId r:id="rId35"/>
   </p:notesMasterIdLst>
   <p:sldIdLst>
     <p:sldId id="256" r:id="rId2"/>
@@ -38,7 +38,9 @@
     <p:sldId id="763" r:id="rId29"/>
     <p:sldId id="764" r:id="rId30"/>
     <p:sldId id="765" r:id="rId31"/>
-    <p:sldId id="730" r:id="rId32"/>
+    <p:sldId id="772" r:id="rId32"/>
+    <p:sldId id="773" r:id="rId33"/>
+    <p:sldId id="730" r:id="rId34"/>
   </p:sldIdLst>
   <p:sldSz cx="9144000" cy="6858000" type="screen4x3"/>
   <p:notesSz cx="6881813" cy="9296400"/>
@@ -7144,6 +7146,284 @@
             <p:ph type="title"/>
           </p:nvPr>
         </p:nvSpPr>
+        <p:spPr/>
+        <p:txBody>
+          <a:bodyPr/>
+          <a:lstStyle/>
+          <a:p>
+            <a:r>
+              <a:rPr lang="en-US" dirty="0" smtClean="0"/>
+              <a:t>Uber Mode</a:t>
+            </a:r>
+            <a:endParaRPr lang="en-US" dirty="0"/>
+          </a:p>
+        </p:txBody>
+      </p:sp>
+      <p:sp>
+        <p:nvSpPr>
+          <p:cNvPr id="3" name="Content Placeholder 2"/>
+          <p:cNvSpPr>
+            <a:spLocks noGrp="1"/>
+          </p:cNvSpPr>
+          <p:nvPr>
+            <p:ph idx="1"/>
+          </p:nvPr>
+        </p:nvSpPr>
+        <p:spPr/>
+        <p:txBody>
+          <a:bodyPr/>
+          <a:lstStyle/>
+          <a:p>
+            <a:r>
+              <a:rPr lang="en-US" dirty="0"/>
+              <a:t>Uber jobs are jobs that are executed within the MapReduce </a:t>
+            </a:r>
+            <a:r>
+              <a:rPr lang="en-US" dirty="0" err="1"/>
+              <a:t>ApplicationMaster</a:t>
+            </a:r>
+            <a:r>
+              <a:rPr lang="en-US" dirty="0" smtClean="0"/>
+              <a:t>.</a:t>
+            </a:r>
+          </a:p>
+          <a:p>
+            <a:r>
+              <a:rPr lang="en-US" dirty="0"/>
+              <a:t>AM runs the map and reduce tasks within its own </a:t>
+            </a:r>
+            <a:r>
+              <a:rPr lang="en-US" dirty="0" smtClean="0"/>
+              <a:t>process.</a:t>
+            </a:r>
+          </a:p>
+          <a:p>
+            <a:r>
+              <a:rPr lang="en-US" dirty="0" err="1"/>
+              <a:t>A</a:t>
+            </a:r>
+            <a:r>
+              <a:rPr lang="en-US" dirty="0" err="1" smtClean="0"/>
+              <a:t>voides</a:t>
+            </a:r>
+            <a:r>
+              <a:rPr lang="en-US" dirty="0" smtClean="0"/>
+              <a:t> </a:t>
+            </a:r>
+            <a:r>
+              <a:rPr lang="en-US" dirty="0"/>
+              <a:t>the overhead of launching and </a:t>
+            </a:r>
+            <a:r>
+              <a:rPr lang="en-US" dirty="0" smtClean="0"/>
+              <a:t>communicating </a:t>
+            </a:r>
+            <a:r>
+              <a:rPr lang="en-US" dirty="0"/>
+              <a:t>with remote containers</a:t>
+            </a:r>
+            <a:r>
+              <a:rPr lang="en-US" dirty="0" smtClean="0"/>
+              <a:t>.</a:t>
+            </a:r>
+          </a:p>
+          <a:p>
+            <a:r>
+              <a:rPr lang="en-US" dirty="0" smtClean="0"/>
+              <a:t>For small </a:t>
+            </a:r>
+            <a:r>
+              <a:rPr lang="en-US" dirty="0" err="1" smtClean="0"/>
+              <a:t>datset</a:t>
+            </a:r>
+            <a:r>
+              <a:rPr lang="en-US" dirty="0" smtClean="0"/>
+              <a:t> running in </a:t>
+            </a:r>
+            <a:r>
+              <a:rPr lang="en-US" dirty="0" err="1" smtClean="0"/>
+              <a:t>uber</a:t>
+            </a:r>
+            <a:r>
+              <a:rPr lang="en-US" dirty="0" smtClean="0"/>
+              <a:t> mode will save time.</a:t>
+            </a:r>
+          </a:p>
+          <a:p>
+            <a:r>
+              <a:rPr lang="en-US" dirty="0" smtClean="0"/>
+              <a:t>Map only jobs and job with one reducer are supported.</a:t>
+            </a:r>
+            <a:endParaRPr lang="en-US" dirty="0"/>
+          </a:p>
+        </p:txBody>
+      </p:sp>
+      <p:sp>
+        <p:nvSpPr>
+          <p:cNvPr id="4" name="Slide Number Placeholder 3"/>
+          <p:cNvSpPr>
+            <a:spLocks noGrp="1"/>
+          </p:cNvSpPr>
+          <p:nvPr>
+            <p:ph type="sldNum" sz="quarter" idx="10"/>
+          </p:nvPr>
+        </p:nvSpPr>
+        <p:spPr/>
+        <p:txBody>
+          <a:bodyPr/>
+          <a:lstStyle/>
+          <a:p>
+            <a:fld id="{4D7F3C81-09B9-45E5-9A74-F5C85D07177C}" type="slidenum">
+              <a:rPr lang="en-US" smtClean="0"/>
+              <a:pPr/>
+              <a:t>31</a:t>
+            </a:fld>
+            <a:endParaRPr lang="en-US" dirty="0"/>
+          </a:p>
+        </p:txBody>
+      </p:sp>
+    </p:spTree>
+    <p:extLst>
+      <p:ext uri="{BB962C8B-B14F-4D97-AF65-F5344CB8AC3E}">
+        <p14:creationId xmlns:p14="http://schemas.microsoft.com/office/powerpoint/2010/main" val="2694479293"/>
+      </p:ext>
+    </p:extLst>
+  </p:cSld>
+  <p:clrMapOvr>
+    <a:masterClrMapping/>
+  </p:clrMapOvr>
+  <p:transition spd="med"/>
+</p:sld>
+</file>
+
+<file path=ppt/slides/slide32.xml><?xml version="1.0" encoding="utf-8"?>
+<p:sld xmlns:a="http://schemas.openxmlformats.org/drawingml/2006/main" xmlns:r="http://schemas.openxmlformats.org/officeDocument/2006/relationships" xmlns:p="http://schemas.openxmlformats.org/presentationml/2006/main">
+  <p:cSld>
+    <p:spTree>
+      <p:nvGrpSpPr>
+        <p:cNvPr id="1" name=""/>
+        <p:cNvGrpSpPr/>
+        <p:nvPr/>
+      </p:nvGrpSpPr>
+      <p:grpSpPr>
+        <a:xfrm>
+          <a:off x="0" y="0"/>
+          <a:ext cx="0" cy="0"/>
+          <a:chOff x="0" y="0"/>
+          <a:chExt cx="0" cy="0"/>
+        </a:xfrm>
+      </p:grpSpPr>
+      <p:sp>
+        <p:nvSpPr>
+          <p:cNvPr id="2" name="Title 1"/>
+          <p:cNvSpPr>
+            <a:spLocks noGrp="1"/>
+          </p:cNvSpPr>
+          <p:nvPr>
+            <p:ph type="title"/>
+          </p:nvPr>
+        </p:nvSpPr>
+        <p:spPr/>
+        <p:txBody>
+          <a:bodyPr/>
+          <a:lstStyle/>
+          <a:p>
+            <a:r>
+              <a:rPr lang="en-US" smtClean="0"/>
+              <a:t>Counters</a:t>
+            </a:r>
+            <a:endParaRPr lang="en-US"/>
+          </a:p>
+        </p:txBody>
+      </p:sp>
+      <p:sp>
+        <p:nvSpPr>
+          <p:cNvPr id="3" name="Content Placeholder 2"/>
+          <p:cNvSpPr>
+            <a:spLocks noGrp="1"/>
+          </p:cNvSpPr>
+          <p:nvPr>
+            <p:ph idx="1"/>
+          </p:nvPr>
+        </p:nvSpPr>
+        <p:spPr/>
+        <p:txBody>
+          <a:bodyPr/>
+          <a:lstStyle/>
+          <a:p>
+            <a:r>
+              <a:rPr lang="en-US" dirty="0"/>
+              <a:t>Counters are similar to putting log message in the code for map or reduce.</a:t>
+            </a:r>
+            <a:endParaRPr lang="en-US" dirty="0"/>
+          </a:p>
+        </p:txBody>
+      </p:sp>
+      <p:sp>
+        <p:nvSpPr>
+          <p:cNvPr id="4" name="Slide Number Placeholder 3"/>
+          <p:cNvSpPr>
+            <a:spLocks noGrp="1"/>
+          </p:cNvSpPr>
+          <p:nvPr>
+            <p:ph type="sldNum" sz="quarter" idx="10"/>
+          </p:nvPr>
+        </p:nvSpPr>
+        <p:spPr/>
+        <p:txBody>
+          <a:bodyPr/>
+          <a:lstStyle/>
+          <a:p>
+            <a:fld id="{4D7F3C81-09B9-45E5-9A74-F5C85D07177C}" type="slidenum">
+              <a:rPr lang="en-US" smtClean="0"/>
+              <a:pPr/>
+              <a:t>32</a:t>
+            </a:fld>
+            <a:endParaRPr lang="en-US" dirty="0"/>
+          </a:p>
+        </p:txBody>
+      </p:sp>
+    </p:spTree>
+    <p:extLst>
+      <p:ext uri="{BB962C8B-B14F-4D97-AF65-F5344CB8AC3E}">
+        <p14:creationId xmlns:p14="http://schemas.microsoft.com/office/powerpoint/2010/main" val="2485528101"/>
+      </p:ext>
+    </p:extLst>
+  </p:cSld>
+  <p:clrMapOvr>
+    <a:masterClrMapping/>
+  </p:clrMapOvr>
+  <p:transition spd="med"/>
+</p:sld>
+</file>
+
+<file path=ppt/slides/slide33.xml><?xml version="1.0" encoding="utf-8"?>
+<p:sld xmlns:a="http://schemas.openxmlformats.org/drawingml/2006/main" xmlns:r="http://schemas.openxmlformats.org/officeDocument/2006/relationships" xmlns:p="http://schemas.openxmlformats.org/presentationml/2006/main">
+  <p:cSld>
+    <p:spTree>
+      <p:nvGrpSpPr>
+        <p:cNvPr id="1" name=""/>
+        <p:cNvGrpSpPr/>
+        <p:nvPr/>
+      </p:nvGrpSpPr>
+      <p:grpSpPr>
+        <a:xfrm>
+          <a:off x="0" y="0"/>
+          <a:ext cx="0" cy="0"/>
+          <a:chOff x="0" y="0"/>
+          <a:chExt cx="0" cy="0"/>
+        </a:xfrm>
+      </p:grpSpPr>
+      <p:sp>
+        <p:nvSpPr>
+          <p:cNvPr id="2" name="Title 1"/>
+          <p:cNvSpPr>
+            <a:spLocks noGrp="1"/>
+          </p:cNvSpPr>
+          <p:nvPr>
+            <p:ph type="title"/>
+          </p:nvPr>
+        </p:nvSpPr>
         <p:spPr>
           <a:xfrm>
             <a:off x="848437" y="3255186"/>
@@ -7196,7 +7476,7 @@
               <a:pPr>
                 <a:defRPr/>
               </a:pPr>
-              <a:t>31</a:t>
+              <a:t>33</a:t>
             </a:fld>
             <a:endParaRPr lang="en-IN" dirty="0"/>
           </a:p>
